--- a/input/images-source/AE CR example workflows_v2.pptx
+++ b/input/images-source/AE CR example workflows_v2.pptx
@@ -12755,7 +12755,19 @@
           <a:p>
             <a:r>
               <a:rPr lang="en-US" sz="1200" dirty="0"/>
-              <a:t>Example Workflow for Post Market Reporting of Adverse Event</a:t>
+              <a:t>Example Workflow for </a:t>
+            </a:r>
+            <a:r>
+              <a:rPr lang="en-US" sz="1200" dirty="0" err="1"/>
+              <a:t>Postmarketing</a:t>
+            </a:r>
+            <a:r>
+              <a:rPr lang="en-US" sz="1200" dirty="0"/>
+              <a:t> Adverse </a:t>
+            </a:r>
+            <a:r>
+              <a:rPr lang="en-US" sz="1200"/>
+              <a:t>Event Reporting</a:t>
             </a:r>
             <a:endParaRPr lang="en-US" sz="1200" b="1" dirty="0"/>
           </a:p>
@@ -15368,9 +15380,12 @@
 </file>
 
 <file path=customXml/item1.xml><?xml version="1.0" encoding="utf-8"?>
-<p:properties xmlns:p="http://schemas.microsoft.com/office/2006/metadata/properties" xmlns:xsi="http://www.w3.org/2001/XMLSchema-instance" xmlns:pc="http://schemas.microsoft.com/office/infopath/2007/PartnerControls">
-  <documentManagement/>
-</p:properties>
+<?mso-contentType ?>
+<FormTemplates xmlns="http://schemas.microsoft.com/sharepoint/v3/contenttype/forms">
+  <Display>DocumentLibraryForm</Display>
+  <Edit>DocumentLibraryForm</Edit>
+  <New>DocumentLibraryForm</New>
+</FormTemplates>
 </file>
 
 <file path=customXml/item2.xml><?xml version="1.0" encoding="utf-8"?>
@@ -15564,19 +15579,15 @@
 </file>
 
 <file path=customXml/item3.xml><?xml version="1.0" encoding="utf-8"?>
-<?mso-contentType ?>
-<FormTemplates xmlns="http://schemas.microsoft.com/sharepoint/v3/contenttype/forms">
-  <Display>DocumentLibraryForm</Display>
-  <Edit>DocumentLibraryForm</Edit>
-  <New>DocumentLibraryForm</New>
-</FormTemplates>
+<p:properties xmlns:p="http://schemas.microsoft.com/office/2006/metadata/properties" xmlns:xsi="http://www.w3.org/2001/XMLSchema-instance" xmlns:pc="http://schemas.microsoft.com/office/infopath/2007/PartnerControls">
+  <documentManagement/>
+</p:properties>
 </file>
 
 <file path=customXml/itemProps1.xml><?xml version="1.0" encoding="utf-8"?>
-<ds:datastoreItem xmlns:ds="http://schemas.openxmlformats.org/officeDocument/2006/customXml" ds:itemID="{BA27A3AD-304D-46D5-823A-8E3357FD18B8}">
+<ds:datastoreItem xmlns:ds="http://schemas.openxmlformats.org/officeDocument/2006/customXml" ds:itemID="{E72960A2-5590-4638-BD65-76B50F30C93B}">
   <ds:schemaRefs>
-    <ds:schemaRef ds:uri="http://schemas.microsoft.com/office/2006/metadata/properties"/>
-    <ds:schemaRef ds:uri="http://schemas.microsoft.com/office/infopath/2007/PartnerControls"/>
+    <ds:schemaRef ds:uri="http://schemas.microsoft.com/sharepoint/v3/contenttype/forms"/>
   </ds:schemaRefs>
 </ds:datastoreItem>
 </file>
@@ -15600,9 +15611,10 @@
 </file>
 
 <file path=customXml/itemProps3.xml><?xml version="1.0" encoding="utf-8"?>
-<ds:datastoreItem xmlns:ds="http://schemas.openxmlformats.org/officeDocument/2006/customXml" ds:itemID="{E72960A2-5590-4638-BD65-76B50F30C93B}">
+<ds:datastoreItem xmlns:ds="http://schemas.openxmlformats.org/officeDocument/2006/customXml" ds:itemID="{BA27A3AD-304D-46D5-823A-8E3357FD18B8}">
   <ds:schemaRefs>
-    <ds:schemaRef ds:uri="http://schemas.microsoft.com/sharepoint/v3/contenttype/forms"/>
+    <ds:schemaRef ds:uri="http://schemas.microsoft.com/office/2006/metadata/properties"/>
+    <ds:schemaRef ds:uri="http://schemas.microsoft.com/office/infopath/2007/PartnerControls"/>
   </ds:schemaRefs>
 </ds:datastoreItem>
 </file>